--- a/article.pptx
+++ b/article.pptx
@@ -14868,11 +14868,18 @@
           <a:p>
             <a:pPr algn="ctr"/>
             <a:r>
+              <a:rPr lang="en-US" altLang="en-IE" dirty="0">
+                <a:latin typeface="Century" panose="02040604050505020304" charset="0"/>
+                <a:cs typeface="Century" panose="02040604050505020304" charset="0"/>
+              </a:rPr>
+              <a:t>7</a:t>
+            </a:r>
+            <a:r>
               <a:rPr lang="en-IE" altLang="en-US" dirty="0">
                 <a:latin typeface="Century" panose="02040604050505020304" charset="0"/>
                 <a:cs typeface="Century" panose="02040604050505020304" charset="0"/>
               </a:rPr>
-              <a:t>6 </a:t>
+              <a:t> </a:t>
             </a:r>
             <a:r>
               <a:rPr lang="en-US" altLang="zh-CN" dirty="0" err="1">
@@ -16884,7 +16891,7 @@
                 <a:ea typeface="Century" panose="02040604050505020304"/>
                 <a:cs typeface="Century" panose="02040604050505020304"/>
                 <a:sym typeface="Century" panose="02040604050505020304"/>
-                <a:hlinkClick r:id="rId2" tooltip="" action="ppaction://hlinkfile"/>
+                <a:hlinkClick r:id="rId2" action="ppaction://hlinkfile"/>
               </a:rPr>
               <a:t>application.gif</a:t>
             </a:r>
